--- a/DGL入门与提高-v1-CN.pptx
+++ b/DGL入门与提高-v1-CN.pptx
@@ -247,7 +247,7 @@
           <a:p>
             <a:fld id="{231104BD-B345-B647-8750-DEFC8468D1D6}" type="datetimeFigureOut">
               <a:rPr lang="en-US" smtClean="0"/>
-              <a:t>7/13/20</a:t>
+              <a:t>7/14/20</a:t>
             </a:fld>
             <a:endParaRPr lang="en-US"/>
           </a:p>
@@ -417,7 +417,7 @@
           <a:p>
             <a:fld id="{231104BD-B345-B647-8750-DEFC8468D1D6}" type="datetimeFigureOut">
               <a:rPr lang="en-US" smtClean="0"/>
-              <a:t>7/13/20</a:t>
+              <a:t>7/14/20</a:t>
             </a:fld>
             <a:endParaRPr lang="en-US"/>
           </a:p>
@@ -597,7 +597,7 @@
           <a:p>
             <a:fld id="{231104BD-B345-B647-8750-DEFC8468D1D6}" type="datetimeFigureOut">
               <a:rPr lang="en-US" smtClean="0"/>
-              <a:t>7/13/20</a:t>
+              <a:t>7/14/20</a:t>
             </a:fld>
             <a:endParaRPr lang="en-US"/>
           </a:p>
@@ -4904,7 +4904,7 @@
           <a:p>
             <a:fld id="{231104BD-B345-B647-8750-DEFC8468D1D6}" type="datetimeFigureOut">
               <a:rPr lang="en-US" smtClean="0"/>
-              <a:t>7/13/20</a:t>
+              <a:t>7/14/20</a:t>
             </a:fld>
             <a:endParaRPr lang="en-US"/>
           </a:p>
@@ -9347,7 +9347,7 @@
           <a:p>
             <a:fld id="{231104BD-B345-B647-8750-DEFC8468D1D6}" type="datetimeFigureOut">
               <a:rPr lang="en-US" smtClean="0"/>
-              <a:t>7/13/20</a:t>
+              <a:t>7/14/20</a:t>
             </a:fld>
             <a:endParaRPr lang="en-US"/>
           </a:p>
@@ -9579,7 +9579,7 @@
           <a:p>
             <a:fld id="{231104BD-B345-B647-8750-DEFC8468D1D6}" type="datetimeFigureOut">
               <a:rPr lang="en-US" smtClean="0"/>
-              <a:t>7/13/20</a:t>
+              <a:t>7/14/20</a:t>
             </a:fld>
             <a:endParaRPr lang="en-US"/>
           </a:p>
@@ -9946,7 +9946,7 @@
           <a:p>
             <a:fld id="{231104BD-B345-B647-8750-DEFC8468D1D6}" type="datetimeFigureOut">
               <a:rPr lang="en-US" smtClean="0"/>
-              <a:t>7/13/20</a:t>
+              <a:t>7/14/20</a:t>
             </a:fld>
             <a:endParaRPr lang="en-US"/>
           </a:p>
@@ -10064,7 +10064,7 @@
           <a:p>
             <a:fld id="{231104BD-B345-B647-8750-DEFC8468D1D6}" type="datetimeFigureOut">
               <a:rPr lang="en-US" smtClean="0"/>
-              <a:t>7/13/20</a:t>
+              <a:t>7/14/20</a:t>
             </a:fld>
             <a:endParaRPr lang="en-US"/>
           </a:p>
@@ -10159,7 +10159,7 @@
           <a:p>
             <a:fld id="{231104BD-B345-B647-8750-DEFC8468D1D6}" type="datetimeFigureOut">
               <a:rPr lang="en-US" smtClean="0"/>
-              <a:t>7/13/20</a:t>
+              <a:t>7/14/20</a:t>
             </a:fld>
             <a:endParaRPr lang="en-US"/>
           </a:p>
@@ -10436,7 +10436,7 @@
           <a:p>
             <a:fld id="{231104BD-B345-B647-8750-DEFC8468D1D6}" type="datetimeFigureOut">
               <a:rPr lang="en-US" smtClean="0"/>
-              <a:t>7/13/20</a:t>
+              <a:t>7/14/20</a:t>
             </a:fld>
             <a:endParaRPr lang="en-US"/>
           </a:p>
@@ -10693,7 +10693,7 @@
           <a:p>
             <a:fld id="{231104BD-B345-B647-8750-DEFC8468D1D6}" type="datetimeFigureOut">
               <a:rPr lang="en-US" smtClean="0"/>
-              <a:t>7/13/20</a:t>
+              <a:t>7/14/20</a:t>
             </a:fld>
             <a:endParaRPr lang="en-US"/>
           </a:p>
@@ -10906,7 +10906,7 @@
           <a:p>
             <a:fld id="{231104BD-B345-B647-8750-DEFC8468D1D6}" type="datetimeFigureOut">
               <a:rPr lang="en-US" smtClean="0"/>
-              <a:t>7/13/20</a:t>
+              <a:t>7/14/20</a:t>
             </a:fld>
             <a:endParaRPr lang="en-US"/>
           </a:p>
@@ -11596,14 +11596,35 @@
           <a:lstStyle/>
           <a:p>
             <a:r>
-              <a:rPr lang="en-US" b="1" dirty="0"/>
+              <a:rPr lang="en-US" altLang="zh-CN" b="1" dirty="0"/>
+              <a:t>AWS</a:t>
+            </a:r>
+            <a:r>
+              <a:rPr lang="zh-CN" altLang="en-US" b="1" dirty="0"/>
+              <a:t>上海人工智能研究院（</a:t>
+            </a:r>
+            <a:r>
+              <a:rPr lang="en-US" altLang="zh-CN" b="1" dirty="0"/>
+              <a:t>AWS </a:t>
+            </a:r>
+            <a:r>
+              <a:rPr lang="en-US" altLang="zh-CN" b="1" dirty="0" err="1"/>
+              <a:t>ShangHai</a:t>
+            </a:r>
+            <a:r>
+              <a:rPr lang="en-US" altLang="zh-CN" b="1" dirty="0"/>
+              <a:t> AI Lab</a:t>
+            </a:r>
+            <a:r>
+              <a:rPr lang="zh-CN" altLang="en-US" b="1" dirty="0"/>
+              <a:t>）</a:t>
+            </a:r>
+            <a:endParaRPr lang="en-US" altLang="zh-CN" b="1"/>
+          </a:p>
+          <a:p>
+            <a:r>
+              <a:rPr lang="en-US" b="1"/>
               <a:t>Jian Zhang</a:t>
-            </a:r>
-          </a:p>
-          <a:p>
-            <a:r>
-              <a:rPr lang="en-US" b="1" dirty="0" err="1"/>
-              <a:t>jamezhan@amazon.com</a:t>
             </a:r>
             <a:endParaRPr lang="en-US" b="1" dirty="0"/>
           </a:p>
